--- a/_site/presentaciones/cambio-climatico/index.pptx
+++ b/_site/presentaciones/cambio-climatico/index.pptx
@@ -3119,15 +3119,20 @@
       </p:grpSpPr>
       <p:sp>
         <p:nvSpPr>
-          <p:cNvPr id="3" name="Content Placeholder 2"/>
-          <p:cNvSpPr>
-            <a:spLocks noGrp="1"/>
-          </p:cNvSpPr>
-          <p:nvPr>
-            <p:ph idx="1"/>
-          </p:nvPr>
-        </p:nvSpPr>
-        <p:spPr/>
+          <p:cNvPr id="2" name="Title 1"/>
+          <p:cNvSpPr>
+            <a:spLocks noGrp="1"/>
+          </p:cNvSpPr>
+          <p:nvPr>
+            <p:ph type="ctrTitle"/>
+          </p:nvPr>
+        </p:nvSpPr>
+        <p:spPr>
+          <a:xfrm>
+            <a:off x="685800" y="1597819"/>
+            <a:ext cx="7772400" cy="1102519"/>
+          </a:xfrm>
+        </p:spPr>
         <p:txBody>
           <a:bodyPr/>
           <a:lstStyle/>
@@ -3137,8 +3142,36 @@
             </a:pPr>
             <a:r>
               <a:rPr/>
-              <a:t>format: pptx: default —</a:t>
-            </a:r>
+              <a:t>Biodiversidad</a:t>
+            </a:r>
+          </a:p>
+        </p:txBody>
+      </p:sp>
+      <p:sp>
+        <p:nvSpPr>
+          <p:cNvPr id="3" name="Subtitle 2"/>
+          <p:cNvSpPr>
+            <a:spLocks noGrp="1"/>
+          </p:cNvSpPr>
+          <p:nvPr>
+            <p:ph idx="1" type="subTitle"/>
+          </p:nvPr>
+        </p:nvSpPr>
+        <p:spPr>
+          <a:xfrm>
+            <a:off x="1371600" y="2914650"/>
+            <a:ext cx="6400800" cy="1314450"/>
+          </a:xfrm>
+        </p:spPr>
+        <p:txBody>
+          <a:bodyPr/>
+          <a:lstStyle/>
+          <a:p>
+            <a:pPr lvl="0" indent="0" marL="0">
+              <a:buNone/>
+            </a:pPr>
+            <a:br/>
+            <a:br/>
           </a:p>
         </p:txBody>
       </p:sp>
